--- a/draf resmi/presentasi.pptx
+++ b/draf resmi/presentasi.pptx
@@ -119,6 +119,11 @@
       </a:defRPr>
     </a:lvl9pPr>
   </p:defaultTextStyle>
+  <p:extLst>
+    <p:ext uri="{EFAFB233-063F-42B5-8137-9DF3F51BA10A}">
+      <p15:sldGuideLst xmlns:p15="http://schemas.microsoft.com/office/powerpoint/2012/main"/>
+    </p:ext>
+  </p:extLst>
 </p:presentation>
 </file>
 
@@ -453,7 +458,7 @@
           <a:p>
             <a:fld id="{CCCF2547-DDBB-4269-BEF2-E6697FBAEBAE}" type="datetimeFigureOut">
               <a:rPr lang="en-ID" smtClean="0"/>
-              <a:t>21/01/2023</a:t>
+              <a:t>25/01/2023</a:t>
             </a:fld>
             <a:endParaRPr lang="en-ID"/>
           </a:p>
@@ -777,7 +782,7 @@
           <a:p>
             <a:fld id="{CCCF2547-DDBB-4269-BEF2-E6697FBAEBAE}" type="datetimeFigureOut">
               <a:rPr lang="en-ID" smtClean="0"/>
-              <a:t>21/01/2023</a:t>
+              <a:t>25/01/2023</a:t>
             </a:fld>
             <a:endParaRPr lang="en-ID"/>
           </a:p>
@@ -1025,7 +1030,7 @@
           <a:p>
             <a:fld id="{CCCF2547-DDBB-4269-BEF2-E6697FBAEBAE}" type="datetimeFigureOut">
               <a:rPr lang="en-ID" smtClean="0"/>
-              <a:t>21/01/2023</a:t>
+              <a:t>25/01/2023</a:t>
             </a:fld>
             <a:endParaRPr lang="en-ID"/>
           </a:p>
@@ -1364,7 +1369,7 @@
           <a:p>
             <a:fld id="{CCCF2547-DDBB-4269-BEF2-E6697FBAEBAE}" type="datetimeFigureOut">
               <a:rPr lang="en-ID" smtClean="0"/>
-              <a:t>21/01/2023</a:t>
+              <a:t>25/01/2023</a:t>
             </a:fld>
             <a:endParaRPr lang="en-ID"/>
           </a:p>
@@ -1711,7 +1716,7 @@
           <a:p>
             <a:fld id="{CCCF2547-DDBB-4269-BEF2-E6697FBAEBAE}" type="datetimeFigureOut">
               <a:rPr lang="en-ID" smtClean="0"/>
-              <a:t>21/01/2023</a:t>
+              <a:t>25/01/2023</a:t>
             </a:fld>
             <a:endParaRPr lang="en-ID"/>
           </a:p>
@@ -2085,7 +2090,7 @@
           <a:p>
             <a:fld id="{CCCF2547-DDBB-4269-BEF2-E6697FBAEBAE}" type="datetimeFigureOut">
               <a:rPr lang="en-ID" smtClean="0"/>
-              <a:t>21/01/2023</a:t>
+              <a:t>25/01/2023</a:t>
             </a:fld>
             <a:endParaRPr lang="en-ID"/>
           </a:p>
@@ -2555,7 +2560,7 @@
           <a:p>
             <a:fld id="{CCCF2547-DDBB-4269-BEF2-E6697FBAEBAE}" type="datetimeFigureOut">
               <a:rPr lang="en-ID" smtClean="0"/>
-              <a:t>21/01/2023</a:t>
+              <a:t>25/01/2023</a:t>
             </a:fld>
             <a:endParaRPr lang="en-ID"/>
           </a:p>
@@ -2760,7 +2765,7 @@
           <a:p>
             <a:fld id="{CCCF2547-DDBB-4269-BEF2-E6697FBAEBAE}" type="datetimeFigureOut">
               <a:rPr lang="en-ID" smtClean="0"/>
-              <a:t>21/01/2023</a:t>
+              <a:t>25/01/2023</a:t>
             </a:fld>
             <a:endParaRPr lang="en-ID"/>
           </a:p>
@@ -2971,7 +2976,7 @@
           <a:p>
             <a:fld id="{CCCF2547-DDBB-4269-BEF2-E6697FBAEBAE}" type="datetimeFigureOut">
               <a:rPr lang="en-ID" smtClean="0"/>
-              <a:t>21/01/2023</a:t>
+              <a:t>25/01/2023</a:t>
             </a:fld>
             <a:endParaRPr lang="en-ID"/>
           </a:p>
@@ -3203,7 +3208,7 @@
           <a:p>
             <a:fld id="{CCCF2547-DDBB-4269-BEF2-E6697FBAEBAE}" type="datetimeFigureOut">
               <a:rPr lang="en-ID" smtClean="0"/>
-              <a:t>21/01/2023</a:t>
+              <a:t>25/01/2023</a:t>
             </a:fld>
             <a:endParaRPr lang="en-ID"/>
           </a:p>
@@ -3451,7 +3456,7 @@
           <a:p>
             <a:fld id="{CCCF2547-DDBB-4269-BEF2-E6697FBAEBAE}" type="datetimeFigureOut">
               <a:rPr lang="en-ID" smtClean="0"/>
-              <a:t>21/01/2023</a:t>
+              <a:t>25/01/2023</a:t>
             </a:fld>
             <a:endParaRPr lang="en-ID"/>
           </a:p>
@@ -3718,7 +3723,7 @@
           <a:p>
             <a:fld id="{CCCF2547-DDBB-4269-BEF2-E6697FBAEBAE}" type="datetimeFigureOut">
               <a:rPr lang="en-ID" smtClean="0"/>
-              <a:t>21/01/2023</a:t>
+              <a:t>25/01/2023</a:t>
             </a:fld>
             <a:endParaRPr lang="en-ID"/>
           </a:p>
@@ -4131,7 +4136,7 @@
           <a:p>
             <a:fld id="{CCCF2547-DDBB-4269-BEF2-E6697FBAEBAE}" type="datetimeFigureOut">
               <a:rPr lang="en-ID" smtClean="0"/>
-              <a:t>21/01/2023</a:t>
+              <a:t>25/01/2023</a:t>
             </a:fld>
             <a:endParaRPr lang="en-ID"/>
           </a:p>
@@ -4280,7 +4285,7 @@
           <a:p>
             <a:fld id="{CCCF2547-DDBB-4269-BEF2-E6697FBAEBAE}" type="datetimeFigureOut">
               <a:rPr lang="en-ID" smtClean="0"/>
-              <a:t>21/01/2023</a:t>
+              <a:t>25/01/2023</a:t>
             </a:fld>
             <a:endParaRPr lang="en-ID"/>
           </a:p>
@@ -4406,7 +4411,7 @@
           <a:p>
             <a:fld id="{CCCF2547-DDBB-4269-BEF2-E6697FBAEBAE}" type="datetimeFigureOut">
               <a:rPr lang="en-ID" smtClean="0"/>
-              <a:t>21/01/2023</a:t>
+              <a:t>25/01/2023</a:t>
             </a:fld>
             <a:endParaRPr lang="en-ID"/>
           </a:p>
@@ -4661,7 +4666,7 @@
           <a:p>
             <a:fld id="{CCCF2547-DDBB-4269-BEF2-E6697FBAEBAE}" type="datetimeFigureOut">
               <a:rPr lang="en-ID" smtClean="0"/>
-              <a:t>21/01/2023</a:t>
+              <a:t>25/01/2023</a:t>
             </a:fld>
             <a:endParaRPr lang="en-ID"/>
           </a:p>
@@ -4976,7 +4981,7 @@
           <a:p>
             <a:fld id="{CCCF2547-DDBB-4269-BEF2-E6697FBAEBAE}" type="datetimeFigureOut">
               <a:rPr lang="en-ID" smtClean="0"/>
-              <a:t>21/01/2023</a:t>
+              <a:t>25/01/2023</a:t>
             </a:fld>
             <a:endParaRPr lang="en-ID"/>
           </a:p>
@@ -5327,7 +5332,7 @@
           <a:p>
             <a:fld id="{CCCF2547-DDBB-4269-BEF2-E6697FBAEBAE}" type="datetimeFigureOut">
               <a:rPr lang="en-ID" smtClean="0"/>
-              <a:t>21/01/2023</a:t>
+              <a:t>25/01/2023</a:t>
             </a:fld>
             <a:endParaRPr lang="en-ID"/>
           </a:p>
@@ -7302,16 +7307,17 @@
             </a:r>
             <a:r>
               <a:rPr lang="en-ID" dirty="0"/>
-              <a:t> 0.9565 </a:t>
+              <a:t> 0. 9751 </a:t>
             </a:r>
             <a:r>
               <a:rPr lang="en-ID" dirty="0" err="1"/>
               <a:t>atau</a:t>
             </a:r>
             <a:r>
-              <a:rPr lang="en-ID" dirty="0"/>
-              <a:t> 95%.</a:t>
-            </a:r>
+              <a:rPr lang="en-ID"/>
+              <a:t> 97%.</a:t>
+            </a:r>
+            <a:endParaRPr lang="en-ID" dirty="0"/>
           </a:p>
         </p:txBody>
       </p:sp>
